--- a/mypowerpoint.pptx
+++ b/mypowerpoint.pptx
@@ -104,6 +104,11 @@
       </a:defRPr>
     </a:lvl9pPr>
   </p:defaultTextStyle>
+  <p:extLst>
+    <p:ext uri="{EFAFB233-063F-42B5-8137-9DF3F51BA10A}">
+      <p15:sldGuideLst xmlns:p15="http://schemas.microsoft.com/office/powerpoint/2012/main"/>
+    </p:ext>
+  </p:extLst>
 </p:presentation>
 </file>
 
@@ -3363,7 +3368,7 @@
           <a:bodyPr/>
           <a:lstStyle/>
           <a:p>
-            <a:endParaRPr lang="en-IN"/>
+            <a:endParaRPr lang="en-IN" dirty="0"/>
           </a:p>
         </p:txBody>
       </p:sp>

--- a/mypowerpoint.pptx
+++ b/mypowerpoint.pptx
@@ -261,7 +261,7 @@
           <a:p>
             <a:fld id="{1460A018-FAEC-442D-BE91-0746BD09B6DD}" type="datetimeFigureOut">
               <a:rPr lang="en-IN" smtClean="0"/>
-              <a:t>08-01-2024</a:t>
+              <a:t>21-01-2024</a:t>
             </a:fld>
             <a:endParaRPr lang="en-IN"/>
           </a:p>
@@ -461,7 +461,7 @@
           <a:p>
             <a:fld id="{1460A018-FAEC-442D-BE91-0746BD09B6DD}" type="datetimeFigureOut">
               <a:rPr lang="en-IN" smtClean="0"/>
-              <a:t>08-01-2024</a:t>
+              <a:t>21-01-2024</a:t>
             </a:fld>
             <a:endParaRPr lang="en-IN"/>
           </a:p>
@@ -671,7 +671,7 @@
           <a:p>
             <a:fld id="{1460A018-FAEC-442D-BE91-0746BD09B6DD}" type="datetimeFigureOut">
               <a:rPr lang="en-IN" smtClean="0"/>
-              <a:t>08-01-2024</a:t>
+              <a:t>21-01-2024</a:t>
             </a:fld>
             <a:endParaRPr lang="en-IN"/>
           </a:p>
@@ -871,7 +871,7 @@
           <a:p>
             <a:fld id="{1460A018-FAEC-442D-BE91-0746BD09B6DD}" type="datetimeFigureOut">
               <a:rPr lang="en-IN" smtClean="0"/>
-              <a:t>08-01-2024</a:t>
+              <a:t>21-01-2024</a:t>
             </a:fld>
             <a:endParaRPr lang="en-IN"/>
           </a:p>
@@ -1147,7 +1147,7 @@
           <a:p>
             <a:fld id="{1460A018-FAEC-442D-BE91-0746BD09B6DD}" type="datetimeFigureOut">
               <a:rPr lang="en-IN" smtClean="0"/>
-              <a:t>08-01-2024</a:t>
+              <a:t>21-01-2024</a:t>
             </a:fld>
             <a:endParaRPr lang="en-IN"/>
           </a:p>
@@ -1415,7 +1415,7 @@
           <a:p>
             <a:fld id="{1460A018-FAEC-442D-BE91-0746BD09B6DD}" type="datetimeFigureOut">
               <a:rPr lang="en-IN" smtClean="0"/>
-              <a:t>08-01-2024</a:t>
+              <a:t>21-01-2024</a:t>
             </a:fld>
             <a:endParaRPr lang="en-IN"/>
           </a:p>
@@ -1830,7 +1830,7 @@
           <a:p>
             <a:fld id="{1460A018-FAEC-442D-BE91-0746BD09B6DD}" type="datetimeFigureOut">
               <a:rPr lang="en-IN" smtClean="0"/>
-              <a:t>08-01-2024</a:t>
+              <a:t>21-01-2024</a:t>
             </a:fld>
             <a:endParaRPr lang="en-IN"/>
           </a:p>
@@ -1972,7 +1972,7 @@
           <a:p>
             <a:fld id="{1460A018-FAEC-442D-BE91-0746BD09B6DD}" type="datetimeFigureOut">
               <a:rPr lang="en-IN" smtClean="0"/>
-              <a:t>08-01-2024</a:t>
+              <a:t>21-01-2024</a:t>
             </a:fld>
             <a:endParaRPr lang="en-IN"/>
           </a:p>
@@ -2085,7 +2085,7 @@
           <a:p>
             <a:fld id="{1460A018-FAEC-442D-BE91-0746BD09B6DD}" type="datetimeFigureOut">
               <a:rPr lang="en-IN" smtClean="0"/>
-              <a:t>08-01-2024</a:t>
+              <a:t>21-01-2024</a:t>
             </a:fld>
             <a:endParaRPr lang="en-IN"/>
           </a:p>
@@ -2398,7 +2398,7 @@
           <a:p>
             <a:fld id="{1460A018-FAEC-442D-BE91-0746BD09B6DD}" type="datetimeFigureOut">
               <a:rPr lang="en-IN" smtClean="0"/>
-              <a:t>08-01-2024</a:t>
+              <a:t>21-01-2024</a:t>
             </a:fld>
             <a:endParaRPr lang="en-IN"/>
           </a:p>
@@ -2687,7 +2687,7 @@
           <a:p>
             <a:fld id="{1460A018-FAEC-442D-BE91-0746BD09B6DD}" type="datetimeFigureOut">
               <a:rPr lang="en-IN" smtClean="0"/>
-              <a:t>08-01-2024</a:t>
+              <a:t>21-01-2024</a:t>
             </a:fld>
             <a:endParaRPr lang="en-IN"/>
           </a:p>
@@ -2930,7 +2930,7 @@
           <a:p>
             <a:fld id="{1460A018-FAEC-442D-BE91-0746BD09B6DD}" type="datetimeFigureOut">
               <a:rPr lang="en-IN" smtClean="0"/>
-              <a:t>08-01-2024</a:t>
+              <a:t>21-01-2024</a:t>
             </a:fld>
             <a:endParaRPr lang="en-IN"/>
           </a:p>
@@ -3393,7 +3393,10 @@
           <a:bodyPr/>
           <a:lstStyle/>
           <a:p>
-            <a:endParaRPr lang="en-IN"/>
+            <a:r>
+              <a:rPr lang="en-IN"/>
+              <a:t>dsfs</a:t>
+            </a:r>
           </a:p>
         </p:txBody>
       </p:sp>
